--- a/outreach/games/CO2-hunters/CO2-hunters_team-form.pptx
+++ b/outreach/games/CO2-hunters/CO2-hunters_team-form.pptx
@@ -143,274 +143,27 @@
 </p:presentation>
 </file>
 
-<file path=ppt/revisionInfo.xml><?xml version="1.0" encoding="utf-8"?>
-<p1510:revInfo xmlns:a="http://schemas.openxmlformats.org/drawingml/2006/main" xmlns:r="http://schemas.openxmlformats.org/officeDocument/2006/relationships" xmlns:p1510="http://schemas.microsoft.com/office/powerpoint/2015/10/main">
-  <p1510:revLst>
-    <p1510:client id="{830B81B8-EE78-4A3A-A62C-D03B8CEB5209}" v="7" dt="2022-11-13T10:42:49.531"/>
-  </p1510:revLst>
-</p1510:revInfo>
-</file>
-
 <file path=ppt/changesInfos/changesInfo1.xml><?xml version="1.0" encoding="utf-8"?>
 <pc:chgInfo xmlns:a="http://schemas.openxmlformats.org/drawingml/2006/main" xmlns:r="http://schemas.openxmlformats.org/officeDocument/2006/relationships" xmlns:ac="http://schemas.microsoft.com/office/drawing/2013/main/command" xmlns:pc="http://schemas.microsoft.com/office/powerpoint/2013/main/command">
   <pc:docChgLst>
-    <pc:chgData name="Dattila  Federico" userId="3fbddd6b-c98a-4780-9364-b5d8323ec50d" providerId="ADAL" clId="{830B81B8-EE78-4A3A-A62C-D03B8CEB5209}"/>
-    <pc:docChg chg="undo custSel delSld modSld">
-      <pc:chgData name="Dattila  Federico" userId="3fbddd6b-c98a-4780-9364-b5d8323ec50d" providerId="ADAL" clId="{830B81B8-EE78-4A3A-A62C-D03B8CEB5209}" dt="2022-11-13T11:04:26.942" v="676" actId="207"/>
+    <pc:chgData name="Federico  Dattila" userId="3fbddd6b-c98a-4780-9364-b5d8323ec50d" providerId="ADAL" clId="{74B85A1C-3F89-447F-BB10-160DA5B5EB87}"/>
+    <pc:docChg chg="modSld">
+      <pc:chgData name="Federico  Dattila" userId="3fbddd6b-c98a-4780-9364-b5d8323ec50d" providerId="ADAL" clId="{74B85A1C-3F89-447F-BB10-160DA5B5EB87}" dt="2025-12-11T13:35:07.221" v="7" actId="1037"/>
       <pc:docMkLst>
         <pc:docMk/>
       </pc:docMkLst>
-      <pc:sldChg chg="addSp modSp mod">
-        <pc:chgData name="Dattila  Federico" userId="3fbddd6b-c98a-4780-9364-b5d8323ec50d" providerId="ADAL" clId="{830B81B8-EE78-4A3A-A62C-D03B8CEB5209}" dt="2022-11-13T11:04:26.942" v="676" actId="207"/>
+      <pc:sldChg chg="modSp mod">
+        <pc:chgData name="Federico  Dattila" userId="3fbddd6b-c98a-4780-9364-b5d8323ec50d" providerId="ADAL" clId="{74B85A1C-3F89-447F-BB10-160DA5B5EB87}" dt="2025-12-11T13:35:07.221" v="7" actId="1037"/>
         <pc:sldMkLst>
           <pc:docMk/>
           <pc:sldMk cId="38219263" sldId="256"/>
         </pc:sldMkLst>
-        <pc:spChg chg="add mod">
-          <ac:chgData name="Dattila  Federico" userId="3fbddd6b-c98a-4780-9364-b5d8323ec50d" providerId="ADAL" clId="{830B81B8-EE78-4A3A-A62C-D03B8CEB5209}" dt="2022-11-13T10:44:28.034" v="675" actId="1036"/>
+        <pc:spChg chg="mod">
+          <ac:chgData name="Federico  Dattila" userId="3fbddd6b-c98a-4780-9364-b5d8323ec50d" providerId="ADAL" clId="{74B85A1C-3F89-447F-BB10-160DA5B5EB87}" dt="2025-12-11T13:35:07.221" v="7" actId="1037"/>
           <ac:spMkLst>
             <pc:docMk/>
             <pc:sldMk cId="38219263" sldId="256"/>
-            <ac:spMk id="2" creationId="{2D42DEFA-CAC7-B68C-B59D-F53CD631BD1F}"/>
-          </ac:spMkLst>
-        </pc:spChg>
-        <pc:spChg chg="add mod">
-          <ac:chgData name="Dattila  Federico" userId="3fbddd6b-c98a-4780-9364-b5d8323ec50d" providerId="ADAL" clId="{830B81B8-EE78-4A3A-A62C-D03B8CEB5209}" dt="2022-11-13T10:38:36.999" v="487" actId="1035"/>
-          <ac:spMkLst>
-            <pc:docMk/>
-            <pc:sldMk cId="38219263" sldId="256"/>
-            <ac:spMk id="3" creationId="{FA60670B-6E30-656A-1FA7-C32670C4CD37}"/>
-          </ac:spMkLst>
-        </pc:spChg>
-        <pc:spChg chg="add mod">
-          <ac:chgData name="Dattila  Federico" userId="3fbddd6b-c98a-4780-9364-b5d8323ec50d" providerId="ADAL" clId="{830B81B8-EE78-4A3A-A62C-D03B8CEB5209}" dt="2022-11-13T10:38:36.999" v="487" actId="1035"/>
-          <ac:spMkLst>
-            <pc:docMk/>
-            <pc:sldMk cId="38219263" sldId="256"/>
-            <ac:spMk id="5" creationId="{3053E6F7-92EB-4794-C9BC-02A899A39339}"/>
-          </ac:spMkLst>
-        </pc:spChg>
-        <pc:spChg chg="add mod">
-          <ac:chgData name="Dattila  Federico" userId="3fbddd6b-c98a-4780-9364-b5d8323ec50d" providerId="ADAL" clId="{830B81B8-EE78-4A3A-A62C-D03B8CEB5209}" dt="2022-11-13T10:42:23.536" v="610" actId="1038"/>
-          <ac:spMkLst>
-            <pc:docMk/>
-            <pc:sldMk cId="38219263" sldId="256"/>
-            <ac:spMk id="6" creationId="{8C3142FB-34CD-F026-2351-1AE6397A93F2}"/>
-          </ac:spMkLst>
-        </pc:spChg>
-        <pc:spChg chg="add mod">
-          <ac:chgData name="Dattila  Federico" userId="3fbddd6b-c98a-4780-9364-b5d8323ec50d" providerId="ADAL" clId="{830B81B8-EE78-4A3A-A62C-D03B8CEB5209}" dt="2022-11-13T10:43:18.145" v="635" actId="1038"/>
-          <ac:spMkLst>
-            <pc:docMk/>
-            <pc:sldMk cId="38219263" sldId="256"/>
-            <ac:spMk id="7" creationId="{10E629AD-4801-4E74-4A1B-1379889BC557}"/>
-          </ac:spMkLst>
-        </pc:spChg>
-        <pc:spChg chg="add mod">
-          <ac:chgData name="Dattila  Federico" userId="3fbddd6b-c98a-4780-9364-b5d8323ec50d" providerId="ADAL" clId="{830B81B8-EE78-4A3A-A62C-D03B8CEB5209}" dt="2022-11-13T10:43:12.784" v="629" actId="1037"/>
-          <ac:spMkLst>
-            <pc:docMk/>
-            <pc:sldMk cId="38219263" sldId="256"/>
-            <ac:spMk id="8" creationId="{11662D0D-09B8-2102-E0EE-07C204BDD281}"/>
-          </ac:spMkLst>
-        </pc:spChg>
-        <pc:spChg chg="add mod">
-          <ac:chgData name="Dattila  Federico" userId="3fbddd6b-c98a-4780-9364-b5d8323ec50d" providerId="ADAL" clId="{830B81B8-EE78-4A3A-A62C-D03B8CEB5209}" dt="2022-11-13T10:43:42.785" v="650" actId="122"/>
-          <ac:spMkLst>
-            <pc:docMk/>
-            <pc:sldMk cId="38219263" sldId="256"/>
-            <ac:spMk id="9" creationId="{81D6DD4B-CE40-B25E-434A-CD75C974D73B}"/>
-          </ac:spMkLst>
-        </pc:spChg>
-        <pc:spChg chg="add mod">
-          <ac:chgData name="Dattila  Federico" userId="3fbddd6b-c98a-4780-9364-b5d8323ec50d" providerId="ADAL" clId="{830B81B8-EE78-4A3A-A62C-D03B8CEB5209}" dt="2022-11-13T10:43:12.784" v="629" actId="1037"/>
-          <ac:spMkLst>
-            <pc:docMk/>
-            <pc:sldMk cId="38219263" sldId="256"/>
-            <ac:spMk id="10" creationId="{C93C831D-9ABC-1C2E-806F-A59D700BD69D}"/>
-          </ac:spMkLst>
-        </pc:spChg>
-        <pc:spChg chg="add mod">
-          <ac:chgData name="Dattila  Federico" userId="3fbddd6b-c98a-4780-9364-b5d8323ec50d" providerId="ADAL" clId="{830B81B8-EE78-4A3A-A62C-D03B8CEB5209}" dt="2022-11-13T10:42:39.814" v="611" actId="208"/>
-          <ac:spMkLst>
-            <pc:docMk/>
-            <pc:sldMk cId="38219263" sldId="256"/>
-            <ac:spMk id="11" creationId="{F3C7B4FC-AA73-65EA-9D35-91D560E38C8E}"/>
-          </ac:spMkLst>
-        </pc:spChg>
-        <pc:spChg chg="add mod">
-          <ac:chgData name="Dattila  Federico" userId="3fbddd6b-c98a-4780-9364-b5d8323ec50d" providerId="ADAL" clId="{830B81B8-EE78-4A3A-A62C-D03B8CEB5209}" dt="2022-11-13T10:42:45.504" v="614" actId="1035"/>
-          <ac:spMkLst>
-            <pc:docMk/>
-            <pc:sldMk cId="38219263" sldId="256"/>
-            <ac:spMk id="12" creationId="{7503D501-2997-2A3E-7AEF-1D3857A6427B}"/>
-          </ac:spMkLst>
-        </pc:spChg>
-        <pc:spChg chg="add mod">
-          <ac:chgData name="Dattila  Federico" userId="3fbddd6b-c98a-4780-9364-b5d8323ec50d" providerId="ADAL" clId="{830B81B8-EE78-4A3A-A62C-D03B8CEB5209}" dt="2022-11-13T10:42:48.554" v="615" actId="1035"/>
-          <ac:spMkLst>
-            <pc:docMk/>
-            <pc:sldMk cId="38219263" sldId="256"/>
-            <ac:spMk id="13" creationId="{6DE6E4EB-1EED-49AA-4DDA-E5B893A7859E}"/>
-          </ac:spMkLst>
-        </pc:spChg>
-        <pc:spChg chg="add mod">
-          <ac:chgData name="Dattila  Federico" userId="3fbddd6b-c98a-4780-9364-b5d8323ec50d" providerId="ADAL" clId="{830B81B8-EE78-4A3A-A62C-D03B8CEB5209}" dt="2022-11-13T10:43:18.145" v="635" actId="1038"/>
-          <ac:spMkLst>
-            <pc:docMk/>
-            <pc:sldMk cId="38219263" sldId="256"/>
-            <ac:spMk id="14" creationId="{0386455E-B1F7-8C04-D00C-0FD62446312C}"/>
-          </ac:spMkLst>
-        </pc:spChg>
-        <pc:spChg chg="mod">
-          <ac:chgData name="Dattila  Federico" userId="3fbddd6b-c98a-4780-9364-b5d8323ec50d" providerId="ADAL" clId="{830B81B8-EE78-4A3A-A62C-D03B8CEB5209}" dt="2022-11-13T10:43:12.784" v="629" actId="1037"/>
-          <ac:spMkLst>
-            <pc:docMk/>
-            <pc:sldMk cId="38219263" sldId="256"/>
-            <ac:spMk id="51" creationId="{E4D6AA2E-AE09-D78A-B21D-9AFAED500440}"/>
-          </ac:spMkLst>
-        </pc:spChg>
-        <pc:spChg chg="mod">
-          <ac:chgData name="Dattila  Federico" userId="3fbddd6b-c98a-4780-9364-b5d8323ec50d" providerId="ADAL" clId="{830B81B8-EE78-4A3A-A62C-D03B8CEB5209}" dt="2022-11-13T10:40:52.544" v="568" actId="1037"/>
-          <ac:spMkLst>
-            <pc:docMk/>
-            <pc:sldMk cId="38219263" sldId="256"/>
-            <ac:spMk id="52" creationId="{C41D4E43-A2E0-F159-D16B-F5C23815B0F1}"/>
-          </ac:spMkLst>
-        </pc:spChg>
-        <pc:spChg chg="mod">
-          <ac:chgData name="Dattila  Federico" userId="3fbddd6b-c98a-4780-9364-b5d8323ec50d" providerId="ADAL" clId="{830B81B8-EE78-4A3A-A62C-D03B8CEB5209}" dt="2022-11-13T10:40:52.544" v="568" actId="1037"/>
-          <ac:spMkLst>
-            <pc:docMk/>
-            <pc:sldMk cId="38219263" sldId="256"/>
-            <ac:spMk id="53" creationId="{9D371536-7108-52E1-805B-8997B577371D}"/>
-          </ac:spMkLst>
-        </pc:spChg>
-        <pc:spChg chg="mod">
-          <ac:chgData name="Dattila  Federico" userId="3fbddd6b-c98a-4780-9364-b5d8323ec50d" providerId="ADAL" clId="{830B81B8-EE78-4A3A-A62C-D03B8CEB5209}" dt="2022-11-13T10:41:01.263" v="573" actId="1036"/>
-          <ac:spMkLst>
-            <pc:docMk/>
-            <pc:sldMk cId="38219263" sldId="256"/>
-            <ac:spMk id="54" creationId="{E1C4B8D9-3909-B8D6-2B9C-EAEB1B4D8FEF}"/>
-          </ac:spMkLst>
-        </pc:spChg>
-        <pc:spChg chg="mod">
-          <ac:chgData name="Dattila  Federico" userId="3fbddd6b-c98a-4780-9364-b5d8323ec50d" providerId="ADAL" clId="{830B81B8-EE78-4A3A-A62C-D03B8CEB5209}" dt="2022-11-13T10:43:18.145" v="635" actId="1038"/>
-          <ac:spMkLst>
-            <pc:docMk/>
-            <pc:sldMk cId="38219263" sldId="256"/>
-            <ac:spMk id="55" creationId="{9C149CEA-BBB3-D281-90EE-2FB00F14EAF1}"/>
-          </ac:spMkLst>
-        </pc:spChg>
-        <pc:spChg chg="mod">
-          <ac:chgData name="Dattila  Federico" userId="3fbddd6b-c98a-4780-9364-b5d8323ec50d" providerId="ADAL" clId="{830B81B8-EE78-4A3A-A62C-D03B8CEB5209}" dt="2022-11-13T10:40:52.544" v="568" actId="1037"/>
-          <ac:spMkLst>
-            <pc:docMk/>
-            <pc:sldMk cId="38219263" sldId="256"/>
-            <ac:spMk id="56" creationId="{8B6BFD16-C362-ABF2-7BB5-A0381E9F30FF}"/>
-          </ac:spMkLst>
-        </pc:spChg>
-        <pc:graphicFrameChg chg="modGraphic">
-          <ac:chgData name="Dattila  Federico" userId="3fbddd6b-c98a-4780-9364-b5d8323ec50d" providerId="ADAL" clId="{830B81B8-EE78-4A3A-A62C-D03B8CEB5209}" dt="2022-11-13T11:04:26.942" v="676" actId="207"/>
-          <ac:graphicFrameMkLst>
-            <pc:docMk/>
-            <pc:sldMk cId="38219263" sldId="256"/>
-            <ac:graphicFrameMk id="4" creationId="{83D32A42-092B-AA28-67AA-69595E14EECA}"/>
-          </ac:graphicFrameMkLst>
-        </pc:graphicFrameChg>
-        <pc:picChg chg="mod">
-          <ac:chgData name="Dattila  Federico" userId="3fbddd6b-c98a-4780-9364-b5d8323ec50d" providerId="ADAL" clId="{830B81B8-EE78-4A3A-A62C-D03B8CEB5209}" dt="2022-11-13T10:43:12.784" v="629" actId="1037"/>
-          <ac:picMkLst>
-            <pc:docMk/>
-            <pc:sldMk cId="38219263" sldId="256"/>
-            <ac:picMk id="57" creationId="{070CD050-613E-8A2E-6BEB-0DB1CDD79124}"/>
-          </ac:picMkLst>
-        </pc:picChg>
-        <pc:picChg chg="mod">
-          <ac:chgData name="Dattila  Federico" userId="3fbddd6b-c98a-4780-9364-b5d8323ec50d" providerId="ADAL" clId="{830B81B8-EE78-4A3A-A62C-D03B8CEB5209}" dt="2022-11-13T10:43:29.682" v="649" actId="1037"/>
-          <ac:picMkLst>
-            <pc:docMk/>
-            <pc:sldMk cId="38219263" sldId="256"/>
-            <ac:picMk id="58" creationId="{622820CC-8AF3-9438-6662-19B6894CF0FD}"/>
-          </ac:picMkLst>
-        </pc:picChg>
-        <pc:picChg chg="mod">
-          <ac:chgData name="Dattila  Federico" userId="3fbddd6b-c98a-4780-9364-b5d8323ec50d" providerId="ADAL" clId="{830B81B8-EE78-4A3A-A62C-D03B8CEB5209}" dt="2022-11-13T10:43:29.682" v="649" actId="1037"/>
-          <ac:picMkLst>
-            <pc:docMk/>
-            <pc:sldMk cId="38219263" sldId="256"/>
-            <ac:picMk id="59" creationId="{BDC329FD-3C5A-17B2-F8D7-A408F488FA05}"/>
-          </ac:picMkLst>
-        </pc:picChg>
-        <pc:picChg chg="mod">
-          <ac:chgData name="Dattila  Federico" userId="3fbddd6b-c98a-4780-9364-b5d8323ec50d" providerId="ADAL" clId="{830B81B8-EE78-4A3A-A62C-D03B8CEB5209}" dt="2022-11-13T10:38:40.948" v="496" actId="1036"/>
-          <ac:picMkLst>
-            <pc:docMk/>
-            <pc:sldMk cId="38219263" sldId="256"/>
-            <ac:picMk id="60" creationId="{D23DB2D1-AB30-02C1-6AB1-1987490B5DA5}"/>
-          </ac:picMkLst>
-        </pc:picChg>
-        <pc:picChg chg="mod">
-          <ac:chgData name="Dattila  Federico" userId="3fbddd6b-c98a-4780-9364-b5d8323ec50d" providerId="ADAL" clId="{830B81B8-EE78-4A3A-A62C-D03B8CEB5209}" dt="2022-11-13T10:43:18.145" v="635" actId="1038"/>
-          <ac:picMkLst>
-            <pc:docMk/>
-            <pc:sldMk cId="38219263" sldId="256"/>
-            <ac:picMk id="61" creationId="{54D5D3AA-70D5-7BEA-EE1D-90C975445A43}"/>
-          </ac:picMkLst>
-        </pc:picChg>
-        <pc:picChg chg="mod">
-          <ac:chgData name="Dattila  Federico" userId="3fbddd6b-c98a-4780-9364-b5d8323ec50d" providerId="ADAL" clId="{830B81B8-EE78-4A3A-A62C-D03B8CEB5209}" dt="2022-11-13T10:38:36.999" v="487" actId="1035"/>
-          <ac:picMkLst>
-            <pc:docMk/>
-            <pc:sldMk cId="38219263" sldId="256"/>
-            <ac:picMk id="62" creationId="{6F08A276-666E-F729-8BFC-85CEB8B75E07}"/>
-          </ac:picMkLst>
-        </pc:picChg>
-      </pc:sldChg>
-      <pc:sldChg chg="delSp del mod">
-        <pc:chgData name="Dattila  Federico" userId="3fbddd6b-c98a-4780-9364-b5d8323ec50d" providerId="ADAL" clId="{830B81B8-EE78-4A3A-A62C-D03B8CEB5209}" dt="2022-11-13T10:39:58.458" v="522" actId="47"/>
-        <pc:sldMkLst>
-          <pc:docMk/>
-          <pc:sldMk cId="3619410462" sldId="257"/>
-        </pc:sldMkLst>
-        <pc:spChg chg="del">
-          <ac:chgData name="Dattila  Federico" userId="3fbddd6b-c98a-4780-9364-b5d8323ec50d" providerId="ADAL" clId="{830B81B8-EE78-4A3A-A62C-D03B8CEB5209}" dt="2022-11-13T10:35:00.773" v="216" actId="21"/>
-          <ac:spMkLst>
-            <pc:docMk/>
-            <pc:sldMk cId="3619410462" sldId="257"/>
-            <ac:spMk id="16" creationId="{AB12BBB0-F6B3-D409-797B-49CD77FF9310}"/>
-          </ac:spMkLst>
-        </pc:spChg>
-        <pc:spChg chg="del">
-          <ac:chgData name="Dattila  Federico" userId="3fbddd6b-c98a-4780-9364-b5d8323ec50d" providerId="ADAL" clId="{830B81B8-EE78-4A3A-A62C-D03B8CEB5209}" dt="2022-11-13T10:35:00.773" v="216" actId="21"/>
-          <ac:spMkLst>
-            <pc:docMk/>
-            <pc:sldMk cId="3619410462" sldId="257"/>
-            <ac:spMk id="17" creationId="{4537D1CE-3EAA-2C97-D7C9-15B36C85A59C}"/>
-          </ac:spMkLst>
-        </pc:spChg>
-        <pc:spChg chg="del">
-          <ac:chgData name="Dattila  Federico" userId="3fbddd6b-c98a-4780-9364-b5d8323ec50d" providerId="ADAL" clId="{830B81B8-EE78-4A3A-A62C-D03B8CEB5209}" dt="2022-11-13T10:35:00.773" v="216" actId="21"/>
-          <ac:spMkLst>
-            <pc:docMk/>
-            <pc:sldMk cId="3619410462" sldId="257"/>
-            <ac:spMk id="18" creationId="{C6340C68-037D-881C-9055-E5E9B1BFB09F}"/>
-          </ac:spMkLst>
-        </pc:spChg>
-        <pc:spChg chg="del">
-          <ac:chgData name="Dattila  Federico" userId="3fbddd6b-c98a-4780-9364-b5d8323ec50d" providerId="ADAL" clId="{830B81B8-EE78-4A3A-A62C-D03B8CEB5209}" dt="2022-11-13T10:35:00.773" v="216" actId="21"/>
-          <ac:spMkLst>
-            <pc:docMk/>
-            <pc:sldMk cId="3619410462" sldId="257"/>
-            <ac:spMk id="19" creationId="{22FA9592-D2F6-F770-DE9F-919B2148FDA9}"/>
-          </ac:spMkLst>
-        </pc:spChg>
-        <pc:spChg chg="del">
-          <ac:chgData name="Dattila  Federico" userId="3fbddd6b-c98a-4780-9364-b5d8323ec50d" providerId="ADAL" clId="{830B81B8-EE78-4A3A-A62C-D03B8CEB5209}" dt="2022-11-13T10:35:00.773" v="216" actId="21"/>
-          <ac:spMkLst>
-            <pc:docMk/>
-            <pc:sldMk cId="3619410462" sldId="257"/>
-            <ac:spMk id="26" creationId="{70D41BC8-B3D1-CE3F-89B0-75DABD200F38}"/>
+            <ac:spMk id="30" creationId="{3053E6F7-92EB-4794-C9BC-02A899A39339}"/>
           </ac:spMkLst>
         </pc:spChg>
       </pc:sldChg>
@@ -5206,7 +4959,7 @@
         </p:nvSpPr>
         <p:spPr>
           <a:xfrm>
-            <a:off x="3454400" y="4639744"/>
+            <a:off x="3367687" y="4639744"/>
             <a:ext cx="3804171" cy="1569660"/>
           </a:xfrm>
           <a:prstGeom prst="rect">
